--- a/MobilePart/ICP Presentation 2/ICP_Presentation II (1).pptx
+++ b/MobilePart/ICP Presentation 2/ICP_Presentation II (1).pptx
@@ -22018,7 +22018,7 @@
         <p:spPr>
           <a:xfrm>
             <a:off x="6477270" y="1130846"/>
-            <a:ext cx="4974771" cy="4351338"/>
+            <a:ext cx="4974771" cy="5562054"/>
           </a:xfrm>
         </p:spPr>
         <p:txBody>
@@ -22031,7 +22031,20 @@
               <a:buNone/>
             </a:pPr>
             <a:r>
-              <a:rPr lang="en-US" sz="1500" b="1">
+              <a:rPr lang="en-US" sz="1500" b="1" dirty="0">
+                <a:solidFill>
+                  <a:schemeClr val="bg1"/>
+                </a:solidFill>
+              </a:rPr>
+              <a:t>ICP Group 9</a:t>
+            </a:r>
+          </a:p>
+          <a:p>
+            <a:pPr marL="0" indent="0">
+              <a:buNone/>
+            </a:pPr>
+            <a:r>
+              <a:rPr lang="en-US" sz="1500" b="1" dirty="0">
                 <a:solidFill>
                   <a:schemeClr val="bg1"/>
                 </a:solidFill>
@@ -22041,51 +22054,45 @@
           </a:p>
           <a:p>
             <a:r>
-              <a:rPr lang="en-US" sz="1500">
+              <a:rPr lang="en-US" sz="1500" dirty="0">
                 <a:solidFill>
                   <a:schemeClr val="bg1"/>
                 </a:solidFill>
               </a:rPr>
-              <a:t>Gopi Nelluri</a:t>
+              <a:t>Gopi </a:t>
             </a:r>
-          </a:p>
-          <a:p>
             <a:r>
-              <a:rPr lang="en-US" sz="1500">
+              <a:rPr lang="en-US" sz="1500" dirty="0" err="1">
                 <a:solidFill>
                   <a:schemeClr val="bg1"/>
                 </a:solidFill>
               </a:rPr>
-              <a:t>Srikanth Gude</a:t>
+              <a:t>Nelluri</a:t>
             </a:r>
+            <a:endParaRPr lang="en-US" sz="1500" dirty="0">
+              <a:solidFill>
+                <a:schemeClr val="bg1"/>
+              </a:solidFill>
+            </a:endParaRPr>
           </a:p>
           <a:p>
-            <a:pPr marL="0" indent="0">
-              <a:buNone/>
-            </a:pPr>
             <a:r>
-              <a:rPr lang="en-US" sz="1500" b="1">
+              <a:rPr lang="en-US" sz="1500" dirty="0">
                 <a:solidFill>
                   <a:schemeClr val="bg1"/>
                 </a:solidFill>
               </a:rPr>
-              <a:t>Github Links:</a:t>
+              <a:t>Srikanth </a:t>
             </a:r>
-          </a:p>
-          <a:p>
-            <a:pPr marL="0" indent="0">
-              <a:buNone/>
-            </a:pPr>
             <a:r>
-              <a:rPr lang="en-US" sz="1500">
+              <a:rPr lang="en-US" sz="1500" dirty="0" err="1">
                 <a:solidFill>
                   <a:schemeClr val="bg1"/>
                 </a:solidFill>
-                <a:hlinkClick r:id="rId4"/>
               </a:rPr>
-              <a:t>https://github.com/gudesrikanth/webcourse/tree/main/MobilePart</a:t>
+              <a:t>Gude</a:t>
             </a:r>
-            <a:endParaRPr lang="en-US" sz="1500">
+            <a:endParaRPr lang="en-US" sz="1500" dirty="0">
               <a:solidFill>
                 <a:schemeClr val="bg1"/>
               </a:solidFill>
@@ -22096,15 +22103,28 @@
               <a:buNone/>
             </a:pPr>
             <a:r>
-              <a:rPr lang="en-US" sz="1500">
+              <a:rPr lang="en-US" sz="1500" b="1" dirty="0">
                 <a:solidFill>
                   <a:schemeClr val="bg1"/>
                 </a:solidFill>
-                <a:hlinkClick r:id="rId5"/>
               </a:rPr>
-              <a:t>https://github.com/gudesrikanth/webcourse/tree/main/Webpart/ICP11</a:t>
+              <a:t>GitHub Links:</a:t>
             </a:r>
-            <a:endParaRPr lang="en-US" sz="1500">
+          </a:p>
+          <a:p>
+            <a:pPr marL="0" indent="0">
+              <a:buNone/>
+            </a:pPr>
+            <a:r>
+              <a:rPr lang="en-US" sz="1500" dirty="0">
+                <a:solidFill>
+                  <a:schemeClr val="bg1"/>
+                </a:solidFill>
+                <a:hlinkClick r:id="rId4"/>
+              </a:rPr>
+              <a:t>https://github.com/gudesrikanth/webcourse/tree/main/MobilePart</a:t>
+            </a:r>
+            <a:endParaRPr lang="en-US" sz="1500" dirty="0">
               <a:solidFill>
                 <a:schemeClr val="bg1"/>
               </a:solidFill>
@@ -22115,15 +22135,15 @@
               <a:buNone/>
             </a:pPr>
             <a:r>
-              <a:rPr lang="en-US" sz="1500">
+              <a:rPr lang="en-US" sz="1500" dirty="0">
                 <a:solidFill>
                   <a:schemeClr val="bg1"/>
                 </a:solidFill>
-                <a:hlinkClick r:id="rId6"/>
+                <a:hlinkClick r:id="rId5"/>
               </a:rPr>
-              <a:t>https://github.com/gudesrikanth/webcourse/tree/main/Webpart/ICP10</a:t>
+              <a:t>https://github.com/gudesrikanth/webcourse/tree/main/Webpart/ICP11</a:t>
             </a:r>
-            <a:endParaRPr lang="en-US" sz="1500">
+            <a:endParaRPr lang="en-US" sz="1500" dirty="0">
               <a:solidFill>
                 <a:schemeClr val="bg1"/>
               </a:solidFill>
@@ -22134,15 +22154,15 @@
               <a:buNone/>
             </a:pPr>
             <a:r>
-              <a:rPr lang="en-US" sz="1500">
+              <a:rPr lang="en-US" sz="1500" dirty="0">
                 <a:solidFill>
                   <a:schemeClr val="bg1"/>
                 </a:solidFill>
-                <a:hlinkClick r:id="rId7"/>
+                <a:hlinkClick r:id="rId6"/>
               </a:rPr>
-              <a:t>https://github.com/gudesrikanth/webcourse/tree/main/Webpart/ICP9</a:t>
+              <a:t>https://github.com/gudesrikanth/webcourse/tree/main/Webpart/ICP10</a:t>
             </a:r>
-            <a:endParaRPr lang="en-US" sz="1500">
+            <a:endParaRPr lang="en-US" sz="1500" dirty="0">
               <a:solidFill>
                 <a:schemeClr val="bg1"/>
               </a:solidFill>
@@ -22153,15 +22173,15 @@
               <a:buNone/>
             </a:pPr>
             <a:r>
-              <a:rPr lang="en-US" sz="1500">
+              <a:rPr lang="en-US" sz="1500" dirty="0">
                 <a:solidFill>
                   <a:schemeClr val="bg1"/>
                 </a:solidFill>
-                <a:hlinkClick r:id="rId8"/>
+                <a:hlinkClick r:id="rId7"/>
               </a:rPr>
-              <a:t>https://github.com/gudesrikanth/webcourse/tree/main/Webpart/ICP8</a:t>
+              <a:t>https://github.com/gudesrikanth/webcourse/tree/main/Webpart/ICP9</a:t>
             </a:r>
-            <a:endParaRPr lang="en-US" sz="1500">
+            <a:endParaRPr lang="en-US" sz="1500" dirty="0">
               <a:solidFill>
                 <a:schemeClr val="bg1"/>
               </a:solidFill>
@@ -22171,7 +22191,16 @@
             <a:pPr marL="0" indent="0">
               <a:buNone/>
             </a:pPr>
-            <a:endParaRPr lang="en-US" sz="1500">
+            <a:r>
+              <a:rPr lang="en-US" sz="1500" dirty="0">
+                <a:solidFill>
+                  <a:schemeClr val="bg1"/>
+                </a:solidFill>
+                <a:hlinkClick r:id="rId8"/>
+              </a:rPr>
+              <a:t>https://github.com/gudesrikanth/webcourse/tree/main/Webpart/ICP8</a:t>
+            </a:r>
+            <a:endParaRPr lang="en-US" sz="1500" dirty="0">
               <a:solidFill>
                 <a:schemeClr val="bg1"/>
               </a:solidFill>
@@ -22181,7 +22210,17 @@
             <a:pPr marL="0" indent="0">
               <a:buNone/>
             </a:pPr>
-            <a:endParaRPr lang="en-US" sz="1500">
+            <a:endParaRPr lang="en-US" sz="1500" dirty="0">
+              <a:solidFill>
+                <a:schemeClr val="bg1"/>
+              </a:solidFill>
+            </a:endParaRPr>
+          </a:p>
+          <a:p>
+            <a:pPr marL="0" indent="0">
+              <a:buNone/>
+            </a:pPr>
+            <a:endParaRPr lang="en-US" sz="1500" dirty="0">
               <a:solidFill>
                 <a:schemeClr val="bg1"/>
               </a:solidFill>
